--- a/Meeting Materials/draft-ietf-ccamp-yang-otn-slicing-03.pptx
+++ b/Meeting Materials/draft-ietf-ccamp-yang-otn-slicing-03.pptx
@@ -228,7 +228,7 @@
           <a:p>
             <a:fld id="{59711742-25F0-43F6-882D-B8403339F2D1}" type="datetimeFigureOut">
               <a:rPr lang="en-US" smtClean="0"/>
-              <a:t>10/25/2022</a:t>
+              <a:t>10/27/2022</a:t>
             </a:fld>
             <a:endParaRPr lang="en-US"/>
           </a:p>
@@ -1230,7 +1230,7 @@
           <a:p>
             <a:fld id="{11EADF87-7BA1-4934-894F-828C76552A18}" type="datetime1">
               <a:rPr lang="en-US" smtClean="0"/>
-              <a:t>10/25/2022</a:t>
+              <a:t>10/27/2022</a:t>
             </a:fld>
             <a:endParaRPr lang="en-US"/>
           </a:p>
@@ -1431,7 +1431,7 @@
           <a:p>
             <a:fld id="{85D92055-2432-4DF3-97D9-9AAC5D502BA1}" type="datetime1">
               <a:rPr lang="en-US" smtClean="0"/>
-              <a:t>10/25/2022</a:t>
+              <a:t>10/27/2022</a:t>
             </a:fld>
             <a:endParaRPr lang="en-US"/>
           </a:p>
@@ -1642,7 +1642,7 @@
           <a:p>
             <a:fld id="{9982AC4B-3F7F-442E-97CB-3FE75166B923}" type="datetime1">
               <a:rPr lang="en-US" smtClean="0"/>
-              <a:t>10/25/2022</a:t>
+              <a:t>10/27/2022</a:t>
             </a:fld>
             <a:endParaRPr lang="en-US"/>
           </a:p>
@@ -1843,7 +1843,7 @@
           <a:p>
             <a:fld id="{86764C34-DC39-41C4-8B6A-5EA7B47F74F1}" type="datetime1">
               <a:rPr lang="en-US" smtClean="0"/>
-              <a:t>10/25/2022</a:t>
+              <a:t>10/27/2022</a:t>
             </a:fld>
             <a:endParaRPr lang="en-US"/>
           </a:p>
@@ -2121,7 +2121,7 @@
           <a:p>
             <a:fld id="{9AD06E72-0C8D-44B3-AA53-2FB152485C62}" type="datetime1">
               <a:rPr lang="en-US" smtClean="0"/>
-              <a:t>10/25/2022</a:t>
+              <a:t>10/27/2022</a:t>
             </a:fld>
             <a:endParaRPr lang="en-US"/>
           </a:p>
@@ -2389,7 +2389,7 @@
           <a:p>
             <a:fld id="{66188E82-78A8-432F-A905-64D37DCF7108}" type="datetime1">
               <a:rPr lang="en-US" smtClean="0"/>
-              <a:t>10/25/2022</a:t>
+              <a:t>10/27/2022</a:t>
             </a:fld>
             <a:endParaRPr lang="en-US"/>
           </a:p>
@@ -2804,7 +2804,7 @@
           <a:p>
             <a:fld id="{4F6C27C5-5812-4AB4-AA99-BFA1A6532403}" type="datetime1">
               <a:rPr lang="en-US" smtClean="0"/>
-              <a:t>10/25/2022</a:t>
+              <a:t>10/27/2022</a:t>
             </a:fld>
             <a:endParaRPr lang="en-US"/>
           </a:p>
@@ -2948,7 +2948,7 @@
           <a:p>
             <a:fld id="{01E17CC1-43C0-45B8-AB30-B4F1979189AC}" type="datetime1">
               <a:rPr lang="en-US" smtClean="0"/>
-              <a:t>10/25/2022</a:t>
+              <a:t>10/27/2022</a:t>
             </a:fld>
             <a:endParaRPr lang="en-US"/>
           </a:p>
@@ -3064,7 +3064,7 @@
           <a:p>
             <a:fld id="{86720E5C-818F-46A2-A674-ACF0EF433E2C}" type="datetime1">
               <a:rPr lang="en-US" smtClean="0"/>
-              <a:t>10/25/2022</a:t>
+              <a:t>10/27/2022</a:t>
             </a:fld>
             <a:endParaRPr lang="en-US"/>
           </a:p>
@@ -3378,7 +3378,7 @@
           <a:p>
             <a:fld id="{3BF26B5B-FDE8-4DDB-82A7-BEF41002D93B}" type="datetime1">
               <a:rPr lang="en-US" smtClean="0"/>
-              <a:t>10/25/2022</a:t>
+              <a:t>10/27/2022</a:t>
             </a:fld>
             <a:endParaRPr lang="en-US"/>
           </a:p>
@@ -3669,7 +3669,7 @@
           <a:p>
             <a:fld id="{5CC07EE6-18E8-48EE-9715-5838292A3776}" type="datetime1">
               <a:rPr lang="en-US" smtClean="0"/>
-              <a:t>10/25/2022</a:t>
+              <a:t>10/27/2022</a:t>
             </a:fld>
             <a:endParaRPr lang="en-US"/>
           </a:p>
@@ -3913,7 +3913,7 @@
           <a:p>
             <a:fld id="{9025BCED-13F6-41CB-8B3C-875C16F6C384}" type="datetime1">
               <a:rPr lang="en-US" smtClean="0"/>
-              <a:t>10/25/2022</a:t>
+              <a:t>10/27/2022</a:t>
             </a:fld>
             <a:endParaRPr lang="en-US"/>
           </a:p>
@@ -5764,7 +5764,24 @@
             </a:r>
           </a:p>
           <a:p>
-            <a:endParaRPr lang="en-US" dirty="0"/>
+            <a:r>
+              <a:rPr lang="en-US" dirty="0"/>
+              <a:t>Use of NRP is not mandatory for OTN slicing</a:t>
+            </a:r>
+          </a:p>
+          <a:p>
+            <a:pPr lvl="1"/>
+            <a:r>
+              <a:rPr lang="en-US" dirty="0"/>
+              <a:t>NRP represents logical resource reservation to given slices. </a:t>
+            </a:r>
+          </a:p>
+          <a:p>
+            <a:pPr lvl="1"/>
+            <a:r>
+              <a:rPr lang="en-US" dirty="0"/>
+              <a:t>For OTN NRP does not require the programming of data plane</a:t>
+            </a:r>
           </a:p>
         </p:txBody>
       </p:sp>
@@ -5956,7 +5973,7 @@
             <a:pPr lvl="1"/>
             <a:r>
               <a:rPr lang="en-US" dirty="0"/>
-              <a:t>Applies to customized SLO/SLE policy for top-level objects like network slice, connection and topology, as well as sub-level objects, such as connectivity constructs, nodes, links, LTPs etc.</a:t>
+              <a:t>Applies to customized SLO/SLE policy for top-level objects like network slice, connection-group and topology, as well as sub-level objects, such as connectivity constructs, nodes, links, LTPs etc.</a:t>
             </a:r>
           </a:p>
           <a:p>
@@ -6396,6 +6413,9 @@
               <a:t>Is there guideline on defining / using opaque attributes in YANG?</a:t>
             </a:r>
           </a:p>
+          <a:p>
+            <a:endParaRPr lang="en-US" dirty="0"/>
+          </a:p>
         </p:txBody>
       </p:sp>
     </p:spTree>
@@ -6486,7 +6506,7 @@
           <a:p>
             <a:r>
               <a:rPr lang="en-US" dirty="0" err="1"/>
-              <a:t>Ietf</a:t>
+              <a:t>ietf</a:t>
             </a:r>
             <a:r>
               <a:rPr lang="en-US" dirty="0"/>
@@ -6510,7 +6530,7 @@
           <a:p>
             <a:r>
               <a:rPr lang="en-US" dirty="0" err="1"/>
-              <a:t>Ietf</a:t>
+              <a:t>ietf</a:t>
             </a:r>
             <a:r>
               <a:rPr lang="en-US" dirty="0"/>
@@ -6679,7 +6699,7 @@
         <p:spPr/>
         <p:txBody>
           <a:bodyPr>
-            <a:normAutofit fontScale="85000" lnSpcReduction="20000"/>
+            <a:normAutofit fontScale="70000" lnSpcReduction="20000"/>
           </a:bodyPr>
           <a:lstStyle/>
           <a:p>
@@ -6728,6 +6748,28 @@
             <a:r>
               <a:rPr lang="en-US" dirty="0"/>
               <a:t>Multi technology links (non-OTN access links and OTN links)</a:t>
+            </a:r>
+          </a:p>
+          <a:p>
+            <a:r>
+              <a:rPr lang="en-US" dirty="0"/>
+              <a:t>Add a few examples for various types of OTN slices which combines the use of network-slice-</a:t>
+            </a:r>
+            <a:r>
+              <a:rPr lang="en-US" dirty="0" err="1"/>
+              <a:t>nbi</a:t>
+            </a:r>
+            <a:r>
+              <a:rPr lang="en-US" dirty="0"/>
+              <a:t> and </a:t>
+            </a:r>
+            <a:r>
+              <a:rPr lang="en-US" dirty="0" err="1"/>
+              <a:t>otn</a:t>
+            </a:r>
+            <a:r>
+              <a:rPr lang="en-US" dirty="0"/>
+              <a:t>-slice</a:t>
             </a:r>
           </a:p>
           <a:p>
@@ -7474,14 +7516,6 @@
 </file>
 
 <file path=customXml/item1.xml><?xml version="1.0" encoding="utf-8"?>
-<p:properties xmlns:p="http://schemas.microsoft.com/office/2006/metadata/properties" xmlns:xsi="http://www.w3.org/2001/XMLSchema-instance" xmlns:pc="http://schemas.microsoft.com/office/infopath/2007/PartnerControls">
-  <documentManagement>
-    <HideFromDelve xmlns="71c5aaf6-e6ce-465b-b873-5148d2a4c105">false</HideFromDelve>
-  </documentManagement>
-</p:properties>
-</file>
-
-<file path=customXml/item2.xml><?xml version="1.0" encoding="utf-8"?>
 <?mso-contentType ?>
 <FormTemplates xmlns="http://schemas.microsoft.com/sharepoint/v3/contenttype/forms">
   <Display>DocumentLibraryForm</Display>
@@ -7490,17 +7524,15 @@
 </FormTemplates>
 </file>
 
-<file path=customXml/item3.xml><?xml version="1.0" encoding="utf-8"?>
-<?mso-contentType ?>
-<spe:Receivers xmlns:spe="http://schemas.microsoft.com/sharepoint/events"/>
+<file path=customXml/item2.xml><?xml version="1.0" encoding="utf-8"?>
+<p:properties xmlns:p="http://schemas.microsoft.com/office/2006/metadata/properties" xmlns:xsi="http://www.w3.org/2001/XMLSchema-instance" xmlns:pc="http://schemas.microsoft.com/office/infopath/2007/PartnerControls">
+  <documentManagement>
+    <HideFromDelve xmlns="71c5aaf6-e6ce-465b-b873-5148d2a4c105">false</HideFromDelve>
+  </documentManagement>
+</p:properties>
 </file>
 
-<file path=customXml/item4.xml><?xml version="1.0" encoding="utf-8"?>
-<?mso-contentType ?>
-<SharedContentType xmlns="Microsoft.SharePoint.Taxonomy.ContentTypeSync" SourceId="34c87397-5fc1-491e-85e7-d6110dbe9cbd" ContentTypeId="0x0101" PreviousValue="false"/>
-</file>
-
-<file path=customXml/item5.xml><?xml version="1.0" encoding="utf-8"?>
+<file path=customXml/item3.xml><?xml version="1.0" encoding="utf-8"?>
 <ct:contentTypeSchema xmlns:ct="http://schemas.microsoft.com/office/2006/metadata/contentType" xmlns:ma="http://schemas.microsoft.com/office/2006/metadata/properties/metaAttributes" ct:_="" ma:_="" ma:contentTypeName="Document" ma:contentTypeID="0x01010083185B6FD968AC4F8244C98DADFCDDF2" ma:contentTypeVersion="10" ma:contentTypeDescription="Create a new document." ma:contentTypeScope="" ma:versionID="a0a5748a9dac91f93248b2b077c41dd7">
   <xsd:schema xmlns:xsd="http://www.w3.org/2001/XMLSchema" xmlns:xs="http://www.w3.org/2001/XMLSchema" xmlns:p="http://schemas.microsoft.com/office/2006/metadata/properties" xmlns:ns3="71c5aaf6-e6ce-465b-b873-5148d2a4c105" xmlns:ns4="687e87d0-d0a8-4c48-8f94-14f0c67212c5" xmlns:ns5="b4d06219-a142-4c5f-be55-53f74cb980c7" targetNamespace="http://schemas.microsoft.com/office/2006/metadata/properties" ma:root="true" ma:fieldsID="b06f86fc5fa60c034a6b2d88bb81de5b" ns3:_="" ns4:_="" ns5:_="">
     <xsd:import namespace="71c5aaf6-e6ce-465b-b873-5148d2a4c105"/>
@@ -7739,7 +7771,25 @@
 </ct:contentTypeSchema>
 </file>
 
+<file path=customXml/item4.xml><?xml version="1.0" encoding="utf-8"?>
+<?mso-contentType ?>
+<SharedContentType xmlns="Microsoft.SharePoint.Taxonomy.ContentTypeSync" SourceId="34c87397-5fc1-491e-85e7-d6110dbe9cbd" ContentTypeId="0x0101" PreviousValue="false"/>
+</file>
+
+<file path=customXml/item5.xml><?xml version="1.0" encoding="utf-8"?>
+<?mso-contentType ?>
+<spe:Receivers xmlns:spe="http://schemas.microsoft.com/sharepoint/events"/>
+</file>
+
 <file path=customXml/itemProps1.xml><?xml version="1.0" encoding="utf-8"?>
+<ds:datastoreItem xmlns:ds="http://schemas.openxmlformats.org/officeDocument/2006/customXml" ds:itemID="{FFF5BEF5-BF1F-44F4-AFBC-1295B944FD55}">
+  <ds:schemaRefs>
+    <ds:schemaRef ds:uri="http://schemas.microsoft.com/sharepoint/v3/contenttype/forms"/>
+  </ds:schemaRefs>
+</ds:datastoreItem>
+</file>
+
+<file path=customXml/itemProps2.xml><?xml version="1.0" encoding="utf-8"?>
 <ds:datastoreItem xmlns:ds="http://schemas.openxmlformats.org/officeDocument/2006/customXml" ds:itemID="{D1402BC5-1A46-47E2-B58E-ED5697CD9276}">
   <ds:schemaRefs>
     <ds:schemaRef ds:uri="71c5aaf6-e6ce-465b-b873-5148d2a4c105"/>
@@ -7757,31 +7807,7 @@
 </ds:datastoreItem>
 </file>
 
-<file path=customXml/itemProps2.xml><?xml version="1.0" encoding="utf-8"?>
-<ds:datastoreItem xmlns:ds="http://schemas.openxmlformats.org/officeDocument/2006/customXml" ds:itemID="{FFF5BEF5-BF1F-44F4-AFBC-1295B944FD55}">
-  <ds:schemaRefs>
-    <ds:schemaRef ds:uri="http://schemas.microsoft.com/sharepoint/v3/contenttype/forms"/>
-  </ds:schemaRefs>
-</ds:datastoreItem>
-</file>
-
 <file path=customXml/itemProps3.xml><?xml version="1.0" encoding="utf-8"?>
-<ds:datastoreItem xmlns:ds="http://schemas.openxmlformats.org/officeDocument/2006/customXml" ds:itemID="{917A1171-45E3-4E0C-B712-8306AE0B7411}">
-  <ds:schemaRefs>
-    <ds:schemaRef ds:uri="http://schemas.microsoft.com/sharepoint/events"/>
-  </ds:schemaRefs>
-</ds:datastoreItem>
-</file>
-
-<file path=customXml/itemProps4.xml><?xml version="1.0" encoding="utf-8"?>
-<ds:datastoreItem xmlns:ds="http://schemas.openxmlformats.org/officeDocument/2006/customXml" ds:itemID="{68412ECC-D61E-4B23-B7FF-722505864B65}">
-  <ds:schemaRefs>
-    <ds:schemaRef ds:uri="Microsoft.SharePoint.Taxonomy.ContentTypeSync"/>
-  </ds:schemaRefs>
-</ds:datastoreItem>
-</file>
-
-<file path=customXml/itemProps5.xml><?xml version="1.0" encoding="utf-8"?>
 <ds:datastoreItem xmlns:ds="http://schemas.openxmlformats.org/officeDocument/2006/customXml" ds:itemID="{334975F1-7A16-4F7E-84AE-F419563FD202}">
   <ds:schemaRefs>
     <ds:schemaRef ds:uri="http://schemas.microsoft.com/office/2006/metadata/contentType"/>
@@ -7799,4 +7825,20 @@
     <ds:schemaRef ds:uri="http://schemas.microsoft.com/internal/obd"/>
   </ds:schemaRefs>
 </ds:datastoreItem>
+</file>
+
+<file path=customXml/itemProps4.xml><?xml version="1.0" encoding="utf-8"?>
+<ds:datastoreItem xmlns:ds="http://schemas.openxmlformats.org/officeDocument/2006/customXml" ds:itemID="{68412ECC-D61E-4B23-B7FF-722505864B65}">
+  <ds:schemaRefs>
+    <ds:schemaRef ds:uri="Microsoft.SharePoint.Taxonomy.ContentTypeSync"/>
+  </ds:schemaRefs>
+</ds:datastoreItem>
+</file>
+
+<file path=customXml/itemProps5.xml><?xml version="1.0" encoding="utf-8"?>
+<ds:datastoreItem xmlns:ds="http://schemas.openxmlformats.org/officeDocument/2006/customXml" ds:itemID="{917A1171-45E3-4E0C-B712-8306AE0B7411}">
+  <ds:schemaRefs>
+    <ds:schemaRef ds:uri="http://schemas.microsoft.com/sharepoint/events"/>
+  </ds:schemaRefs>
+</ds:datastoreItem>
 </file>